--- a/scripts/mogumogu_report.pptx
+++ b/scripts/mogumogu_report.pptx
@@ -21,6 +21,13 @@
     <p:sldId id="269" r:id="rId20"/>
     <p:sldId id="270" r:id="rId21"/>
     <p:sldId id="271" r:id="rId22"/>
+    <p:sldId id="272" r:id="rId23"/>
+    <p:sldId id="273" r:id="rId24"/>
+    <p:sldId id="274" r:id="rId25"/>
+    <p:sldId id="275" r:id="rId26"/>
+    <p:sldId id="276" r:id="rId27"/>
+    <p:sldId id="277" r:id="rId28"/>
+    <p:sldId id="278" r:id="rId29"/>
   </p:sldIdLst>
   <p:sldSz cx="9144000" cy="6858000" type="screen4x3"/>
   <p:notesSz cx="6858000" cy="9144000"/>
@@ -3646,21 +3653,63 @@
               <a:defRPr sz="2800"/>
             </a:pPr>
             <a:r>
-              <a:t>결론</a:t>
-            </a:r>
-          </a:p>
-        </p:txBody>
-      </p:sp>
-      <p:sp>
-        <p:nvSpPr>
-          <p:cNvPr id="3" name="TextBox 2"/>
+              <a:t>가구원 수별 선호 카테고리</a:t>
+            </a:r>
+          </a:p>
+        </p:txBody>
+      </p:sp>
+      <p:pic>
+        <p:nvPicPr>
+          <p:cNvPr id="3" name="Picture 2" descr="16_household_category_preference.png"/>
+          <p:cNvPicPr>
+            <a:picLocks noChangeAspect="1"/>
+          </p:cNvPicPr>
+          <p:nvPr/>
+        </p:nvPicPr>
+        <p:blipFill>
+          <a:blip r:embed="rId2"/>
+          <a:stretch>
+            <a:fillRect/>
+          </a:stretch>
+        </p:blipFill>
+        <p:spPr>
+          <a:xfrm>
+            <a:off x="640080" y="1828800"/>
+            <a:ext cx="6558260" cy="4389120"/>
+          </a:xfrm>
+          <a:prstGeom prst="rect">
+            <a:avLst/>
+          </a:prstGeom>
+        </p:spPr>
+      </p:pic>
+    </p:spTree>
+  </p:cSld>
+  <p:clrMapOvr>
+    <a:masterClrMapping/>
+  </p:clrMapOvr>
+</p:sld>
+</file>
+
+<file path=ppt/slides/slide17.xml><?xml version="1.0" encoding="utf-8"?>
+<p:sld xmlns:a="http://schemas.openxmlformats.org/drawingml/2006/main" xmlns:p="http://schemas.openxmlformats.org/presentationml/2006/main" xmlns:r="http://schemas.openxmlformats.org/officeDocument/2006/relationships">
+  <p:cSld>
+    <p:spTree>
+      <p:nvGrpSpPr>
+        <p:cNvPr id="1" name=""/>
+        <p:cNvGrpSpPr/>
+        <p:nvPr/>
+      </p:nvGrpSpPr>
+      <p:grpSpPr/>
+      <p:sp>
+        <p:nvSpPr>
+          <p:cNvPr id="2" name="TextBox 1"/>
           <p:cNvSpPr txBox="1"/>
           <p:nvPr/>
         </p:nvSpPr>
         <p:spPr>
           <a:xfrm>
-            <a:off x="457200" y="1005840"/>
-            <a:ext cx="8229600" cy="1463040"/>
+            <a:off x="457200" y="274320"/>
+            <a:ext cx="8229600" cy="731520"/>
           </a:xfrm>
           <a:prstGeom prst="rect">
             <a:avLst/>
@@ -3672,15 +3721,186 @@
             <a:spAutoFit/>
           </a:bodyPr>
           <a:lstStyle/>
-          <a:p/>
-          <a:p>
-            <a:pPr lvl="1"/>
-            <a:r>
-              <a:t>현실성 검증 통과 · 추천 학습/데모 즉시 활용 가능</a:t>
-            </a:r>
-          </a:p>
-        </p:txBody>
-      </p:sp>
+          <a:p>
+            <a:pPr>
+              <a:defRPr sz="2800"/>
+            </a:pPr>
+            <a:r>
+              <a:t>금액별 참여도 분석</a:t>
+            </a:r>
+          </a:p>
+        </p:txBody>
+      </p:sp>
+      <p:pic>
+        <p:nvPicPr>
+          <p:cNvPr id="3" name="Picture 2" descr="17_price_participation_analysis.png"/>
+          <p:cNvPicPr>
+            <a:picLocks noChangeAspect="1"/>
+          </p:cNvPicPr>
+          <p:nvPr/>
+        </p:nvPicPr>
+        <p:blipFill>
+          <a:blip r:embed="rId2"/>
+          <a:stretch>
+            <a:fillRect/>
+          </a:stretch>
+        </p:blipFill>
+        <p:spPr>
+          <a:xfrm>
+            <a:off x="640080" y="1828800"/>
+            <a:ext cx="7631045" cy="4389120"/>
+          </a:xfrm>
+          <a:prstGeom prst="rect">
+            <a:avLst/>
+          </a:prstGeom>
+        </p:spPr>
+      </p:pic>
+    </p:spTree>
+  </p:cSld>
+  <p:clrMapOvr>
+    <a:masterClrMapping/>
+  </p:clrMapOvr>
+</p:sld>
+</file>
+
+<file path=ppt/slides/slide18.xml><?xml version="1.0" encoding="utf-8"?>
+<p:sld xmlns:a="http://schemas.openxmlformats.org/drawingml/2006/main" xmlns:p="http://schemas.openxmlformats.org/presentationml/2006/main" xmlns:r="http://schemas.openxmlformats.org/officeDocument/2006/relationships">
+  <p:cSld>
+    <p:spTree>
+      <p:nvGrpSpPr>
+        <p:cNvPr id="1" name=""/>
+        <p:cNvGrpSpPr/>
+        <p:nvPr/>
+      </p:nvGrpSpPr>
+      <p:grpSpPr/>
+      <p:sp>
+        <p:nvSpPr>
+          <p:cNvPr id="2" name="TextBox 1"/>
+          <p:cNvSpPr txBox="1"/>
+          <p:nvPr/>
+        </p:nvSpPr>
+        <p:spPr>
+          <a:xfrm>
+            <a:off x="457200" y="274320"/>
+            <a:ext cx="8229600" cy="731520"/>
+          </a:xfrm>
+          <a:prstGeom prst="rect">
+            <a:avLst/>
+          </a:prstGeom>
+          <a:noFill/>
+        </p:spPr>
+        <p:txBody>
+          <a:bodyPr wrap="none">
+            <a:spAutoFit/>
+          </a:bodyPr>
+          <a:lstStyle/>
+          <a:p>
+            <a:pPr>
+              <a:defRPr sz="2800"/>
+            </a:pPr>
+            <a:r>
+              <a:t>남녀 선호 카테고리</a:t>
+            </a:r>
+          </a:p>
+        </p:txBody>
+      </p:sp>
+      <p:pic>
+        <p:nvPicPr>
+          <p:cNvPr id="3" name="Picture 2" descr="18_gender_category_preference.png"/>
+          <p:cNvPicPr>
+            <a:picLocks noChangeAspect="1"/>
+          </p:cNvPicPr>
+          <p:nvPr/>
+        </p:nvPicPr>
+        <p:blipFill>
+          <a:blip r:embed="rId2"/>
+          <a:stretch>
+            <a:fillRect/>
+          </a:stretch>
+        </p:blipFill>
+        <p:spPr>
+          <a:xfrm>
+            <a:off x="640080" y="1828800"/>
+            <a:ext cx="6558260" cy="4389120"/>
+          </a:xfrm>
+          <a:prstGeom prst="rect">
+            <a:avLst/>
+          </a:prstGeom>
+        </p:spPr>
+      </p:pic>
+    </p:spTree>
+  </p:cSld>
+  <p:clrMapOvr>
+    <a:masterClrMapping/>
+  </p:clrMapOvr>
+</p:sld>
+</file>
+
+<file path=ppt/slides/slide19.xml><?xml version="1.0" encoding="utf-8"?>
+<p:sld xmlns:a="http://schemas.openxmlformats.org/drawingml/2006/main" xmlns:p="http://schemas.openxmlformats.org/presentationml/2006/main" xmlns:r="http://schemas.openxmlformats.org/officeDocument/2006/relationships">
+  <p:cSld>
+    <p:spTree>
+      <p:nvGrpSpPr>
+        <p:cNvPr id="1" name=""/>
+        <p:cNvGrpSpPr/>
+        <p:nvPr/>
+      </p:nvGrpSpPr>
+      <p:grpSpPr/>
+      <p:sp>
+        <p:nvSpPr>
+          <p:cNvPr id="2" name="TextBox 1"/>
+          <p:cNvSpPr txBox="1"/>
+          <p:nvPr/>
+        </p:nvSpPr>
+        <p:spPr>
+          <a:xfrm>
+            <a:off x="457200" y="274320"/>
+            <a:ext cx="8229600" cy="731520"/>
+          </a:xfrm>
+          <a:prstGeom prst="rect">
+            <a:avLst/>
+          </a:prstGeom>
+          <a:noFill/>
+        </p:spPr>
+        <p:txBody>
+          <a:bodyPr wrap="none">
+            <a:spAutoFit/>
+          </a:bodyPr>
+          <a:lstStyle/>
+          <a:p>
+            <a:pPr>
+              <a:defRPr sz="2800"/>
+            </a:pPr>
+            <a:r>
+              <a:t>연령대별 관심 카테고리</a:t>
+            </a:r>
+          </a:p>
+        </p:txBody>
+      </p:sp>
+      <p:pic>
+        <p:nvPicPr>
+          <p:cNvPr id="3" name="Picture 2" descr="19_age_category_preference.png"/>
+          <p:cNvPicPr>
+            <a:picLocks noChangeAspect="1"/>
+          </p:cNvPicPr>
+          <p:nvPr/>
+        </p:nvPicPr>
+        <p:blipFill>
+          <a:blip r:embed="rId2"/>
+          <a:stretch>
+            <a:fillRect/>
+          </a:stretch>
+        </p:blipFill>
+        <p:spPr>
+          <a:xfrm>
+            <a:off x="640080" y="1828800"/>
+            <a:ext cx="6558260" cy="4389120"/>
+          </a:xfrm>
+          <a:prstGeom prst="rect">
+            <a:avLst/>
+          </a:prstGeom>
+        </p:spPr>
+      </p:pic>
     </p:spTree>
   </p:cSld>
   <p:clrMapOvr>
@@ -3754,6 +3974,304 @@
           </a:prstGeom>
         </p:spPr>
       </p:pic>
+    </p:spTree>
+  </p:cSld>
+  <p:clrMapOvr>
+    <a:masterClrMapping/>
+  </p:clrMapOvr>
+</p:sld>
+</file>
+
+<file path=ppt/slides/slide20.xml><?xml version="1.0" encoding="utf-8"?>
+<p:sld xmlns:a="http://schemas.openxmlformats.org/drawingml/2006/main" xmlns:p="http://schemas.openxmlformats.org/presentationml/2006/main" xmlns:r="http://schemas.openxmlformats.org/officeDocument/2006/relationships">
+  <p:cSld>
+    <p:spTree>
+      <p:nvGrpSpPr>
+        <p:cNvPr id="1" name=""/>
+        <p:cNvGrpSpPr/>
+        <p:nvPr/>
+      </p:nvGrpSpPr>
+      <p:grpSpPr/>
+      <p:sp>
+        <p:nvSpPr>
+          <p:cNvPr id="2" name="TextBox 1"/>
+          <p:cNvSpPr txBox="1"/>
+          <p:nvPr/>
+        </p:nvSpPr>
+        <p:spPr>
+          <a:xfrm>
+            <a:off x="457200" y="274320"/>
+            <a:ext cx="8229600" cy="731520"/>
+          </a:xfrm>
+          <a:prstGeom prst="rect">
+            <a:avLst/>
+          </a:prstGeom>
+          <a:noFill/>
+        </p:spPr>
+        <p:txBody>
+          <a:bodyPr wrap="none">
+            <a:spAutoFit/>
+          </a:bodyPr>
+          <a:lstStyle/>
+          <a:p>
+            <a:pPr>
+              <a:defRPr sz="2800"/>
+            </a:pPr>
+            <a:r>
+              <a:t>목표 인원별 성공률</a:t>
+            </a:r>
+          </a:p>
+        </p:txBody>
+      </p:sp>
+      <p:pic>
+        <p:nvPicPr>
+          <p:cNvPr id="3" name="Picture 2" descr="20_target_count_success_rate.png"/>
+          <p:cNvPicPr>
+            <a:picLocks noChangeAspect="1"/>
+          </p:cNvPicPr>
+          <p:nvPr/>
+        </p:nvPicPr>
+        <p:blipFill>
+          <a:blip r:embed="rId2"/>
+          <a:stretch>
+            <a:fillRect/>
+          </a:stretch>
+        </p:blipFill>
+        <p:spPr>
+          <a:xfrm>
+            <a:off x="640080" y="1828800"/>
+            <a:ext cx="6558260" cy="4389120"/>
+          </a:xfrm>
+          <a:prstGeom prst="rect">
+            <a:avLst/>
+          </a:prstGeom>
+        </p:spPr>
+      </p:pic>
+    </p:spTree>
+  </p:cSld>
+  <p:clrMapOvr>
+    <a:masterClrMapping/>
+  </p:clrMapOvr>
+</p:sld>
+</file>
+
+<file path=ppt/slides/slide21.xml><?xml version="1.0" encoding="utf-8"?>
+<p:sld xmlns:a="http://schemas.openxmlformats.org/drawingml/2006/main" xmlns:p="http://schemas.openxmlformats.org/presentationml/2006/main" xmlns:r="http://schemas.openxmlformats.org/officeDocument/2006/relationships">
+  <p:cSld>
+    <p:spTree>
+      <p:nvGrpSpPr>
+        <p:cNvPr id="1" name=""/>
+        <p:cNvGrpSpPr/>
+        <p:nvPr/>
+      </p:nvGrpSpPr>
+      <p:grpSpPr/>
+      <p:sp>
+        <p:nvSpPr>
+          <p:cNvPr id="2" name="TextBox 1"/>
+          <p:cNvSpPr txBox="1"/>
+          <p:nvPr/>
+        </p:nvSpPr>
+        <p:spPr>
+          <a:xfrm>
+            <a:off x="457200" y="274320"/>
+            <a:ext cx="8229600" cy="731520"/>
+          </a:xfrm>
+          <a:prstGeom prst="rect">
+            <a:avLst/>
+          </a:prstGeom>
+          <a:noFill/>
+        </p:spPr>
+        <p:txBody>
+          <a:bodyPr wrap="none">
+            <a:spAutoFit/>
+          </a:bodyPr>
+          <a:lstStyle/>
+          <a:p>
+            <a:pPr>
+              <a:defRPr sz="2800"/>
+            </a:pPr>
+            <a:r>
+              <a:t>카테고리 인기도 분석</a:t>
+            </a:r>
+          </a:p>
+        </p:txBody>
+      </p:sp>
+      <p:pic>
+        <p:nvPicPr>
+          <p:cNvPr id="3" name="Picture 2" descr="21_category_popularity_pie.png"/>
+          <p:cNvPicPr>
+            <a:picLocks noChangeAspect="1"/>
+          </p:cNvPicPr>
+          <p:nvPr/>
+        </p:nvPicPr>
+        <p:blipFill>
+          <a:blip r:embed="rId2"/>
+          <a:stretch>
+            <a:fillRect/>
+          </a:stretch>
+        </p:blipFill>
+        <p:spPr>
+          <a:xfrm>
+            <a:off x="640080" y="1828800"/>
+            <a:ext cx="5525128" cy="4389120"/>
+          </a:xfrm>
+          <a:prstGeom prst="rect">
+            <a:avLst/>
+          </a:prstGeom>
+        </p:spPr>
+      </p:pic>
+    </p:spTree>
+  </p:cSld>
+  <p:clrMapOvr>
+    <a:masterClrMapping/>
+  </p:clrMapOvr>
+</p:sld>
+</file>
+
+<file path=ppt/slides/slide22.xml><?xml version="1.0" encoding="utf-8"?>
+<p:sld xmlns:a="http://schemas.openxmlformats.org/drawingml/2006/main" xmlns:p="http://schemas.openxmlformats.org/presentationml/2006/main" xmlns:r="http://schemas.openxmlformats.org/officeDocument/2006/relationships">
+  <p:cSld>
+    <p:spTree>
+      <p:nvGrpSpPr>
+        <p:cNvPr id="1" name=""/>
+        <p:cNvGrpSpPr/>
+        <p:nvPr/>
+      </p:nvGrpSpPr>
+      <p:grpSpPr/>
+      <p:sp>
+        <p:nvSpPr>
+          <p:cNvPr id="2" name="TextBox 1"/>
+          <p:cNvSpPr txBox="1"/>
+          <p:nvPr/>
+        </p:nvSpPr>
+        <p:spPr>
+          <a:xfrm>
+            <a:off x="457200" y="274320"/>
+            <a:ext cx="8229600" cy="731520"/>
+          </a:xfrm>
+          <a:prstGeom prst="rect">
+            <a:avLst/>
+          </a:prstGeom>
+          <a:noFill/>
+        </p:spPr>
+        <p:txBody>
+          <a:bodyPr wrap="none">
+            <a:spAutoFit/>
+          </a:bodyPr>
+          <a:lstStyle/>
+          <a:p>
+            <a:pPr>
+              <a:defRPr sz="2800"/>
+            </a:pPr>
+            <a:r>
+              <a:t>참여 시간 활성도</a:t>
+            </a:r>
+          </a:p>
+        </p:txBody>
+      </p:sp>
+      <p:pic>
+        <p:nvPicPr>
+          <p:cNvPr id="3" name="Picture 2" descr="22_time_activity_heatmap.png"/>
+          <p:cNvPicPr>
+            <a:picLocks noChangeAspect="1"/>
+          </p:cNvPicPr>
+          <p:nvPr/>
+        </p:nvPicPr>
+        <p:blipFill>
+          <a:blip r:embed="rId2"/>
+          <a:stretch>
+            <a:fillRect/>
+          </a:stretch>
+        </p:blipFill>
+        <p:spPr>
+          <a:xfrm>
+            <a:off x="640080" y="1828800"/>
+            <a:ext cx="7960792" cy="4389120"/>
+          </a:xfrm>
+          <a:prstGeom prst="rect">
+            <a:avLst/>
+          </a:prstGeom>
+        </p:spPr>
+      </p:pic>
+    </p:spTree>
+  </p:cSld>
+  <p:clrMapOvr>
+    <a:masterClrMapping/>
+  </p:clrMapOvr>
+</p:sld>
+</file>
+
+<file path=ppt/slides/slide23.xml><?xml version="1.0" encoding="utf-8"?>
+<p:sld xmlns:a="http://schemas.openxmlformats.org/drawingml/2006/main" xmlns:p="http://schemas.openxmlformats.org/presentationml/2006/main" xmlns:r="http://schemas.openxmlformats.org/officeDocument/2006/relationships">
+  <p:cSld>
+    <p:spTree>
+      <p:nvGrpSpPr>
+        <p:cNvPr id="1" name=""/>
+        <p:cNvGrpSpPr/>
+        <p:nvPr/>
+      </p:nvGrpSpPr>
+      <p:grpSpPr/>
+      <p:sp>
+        <p:nvSpPr>
+          <p:cNvPr id="2" name="TextBox 1"/>
+          <p:cNvSpPr txBox="1"/>
+          <p:nvPr/>
+        </p:nvSpPr>
+        <p:spPr>
+          <a:xfrm>
+            <a:off x="457200" y="274320"/>
+            <a:ext cx="8229600" cy="731520"/>
+          </a:xfrm>
+          <a:prstGeom prst="rect">
+            <a:avLst/>
+          </a:prstGeom>
+          <a:noFill/>
+        </p:spPr>
+        <p:txBody>
+          <a:bodyPr wrap="none">
+            <a:spAutoFit/>
+          </a:bodyPr>
+          <a:lstStyle/>
+          <a:p>
+            <a:pPr>
+              <a:defRPr sz="2800"/>
+            </a:pPr>
+            <a:r>
+              <a:t>결론</a:t>
+            </a:r>
+          </a:p>
+        </p:txBody>
+      </p:sp>
+      <p:sp>
+        <p:nvSpPr>
+          <p:cNvPr id="3" name="TextBox 2"/>
+          <p:cNvSpPr txBox="1"/>
+          <p:nvPr/>
+        </p:nvSpPr>
+        <p:spPr>
+          <a:xfrm>
+            <a:off x="457200" y="1005840"/>
+            <a:ext cx="8229600" cy="1463040"/>
+          </a:xfrm>
+          <a:prstGeom prst="rect">
+            <a:avLst/>
+          </a:prstGeom>
+          <a:noFill/>
+        </p:spPr>
+        <p:txBody>
+          <a:bodyPr wrap="none">
+            <a:spAutoFit/>
+          </a:bodyPr>
+          <a:lstStyle/>
+          <a:p/>
+          <a:p>
+            <a:pPr lvl="1"/>
+            <a:r>
+              <a:t>현실성 검증 통과 · 추천 학습/데모 즉시 활용 가능</a:t>
+            </a:r>
+          </a:p>
+        </p:txBody>
+      </p:sp>
     </p:spTree>
   </p:cSld>
   <p:clrMapOvr>

--- a/scripts/mogumogu_report.pptx
+++ b/scripts/mogumogu_report.pptx
@@ -28,6 +28,9 @@
     <p:sldId id="276" r:id="rId27"/>
     <p:sldId id="277" r:id="rId28"/>
     <p:sldId id="278" r:id="rId29"/>
+    <p:sldId id="279" r:id="rId30"/>
+    <p:sldId id="280" r:id="rId31"/>
+    <p:sldId id="281" r:id="rId32"/>
   </p:sldIdLst>
   <p:sldSz cx="9144000" cy="6858000" type="screen4x3"/>
   <p:notesSz cx="6858000" cy="9144000"/>
@@ -4202,6 +4205,225 @@
 </file>
 
 <file path=ppt/slides/slide23.xml><?xml version="1.0" encoding="utf-8"?>
+<p:sld xmlns:a="http://schemas.openxmlformats.org/drawingml/2006/main" xmlns:p="http://schemas.openxmlformats.org/presentationml/2006/main" xmlns:r="http://schemas.openxmlformats.org/officeDocument/2006/relationships">
+  <p:cSld>
+    <p:spTree>
+      <p:nvGrpSpPr>
+        <p:cNvPr id="1" name=""/>
+        <p:cNvGrpSpPr/>
+        <p:nvPr/>
+      </p:nvGrpSpPr>
+      <p:grpSpPr/>
+      <p:sp>
+        <p:nvSpPr>
+          <p:cNvPr id="2" name="TextBox 1"/>
+          <p:cNvSpPr txBox="1"/>
+          <p:nvPr/>
+        </p:nvSpPr>
+        <p:spPr>
+          <a:xfrm>
+            <a:off x="457200" y="274320"/>
+            <a:ext cx="8229600" cy="731520"/>
+          </a:xfrm>
+          <a:prstGeom prst="rect">
+            <a:avLst/>
+          </a:prstGeom>
+          <a:noFill/>
+        </p:spPr>
+        <p:txBody>
+          <a:bodyPr wrap="none">
+            <a:spAutoFit/>
+          </a:bodyPr>
+          <a:lstStyle/>
+          <a:p>
+            <a:pPr>
+              <a:defRPr sz="2800"/>
+            </a:pPr>
+            <a:r>
+              <a:t>페르소나별 카테고리 분포 (%)</a:t>
+            </a:r>
+          </a:p>
+        </p:txBody>
+      </p:sp>
+      <p:pic>
+        <p:nvPicPr>
+          <p:cNvPr id="3" name="Picture 2" descr="23_persona_category_stacked.png"/>
+          <p:cNvPicPr>
+            <a:picLocks noChangeAspect="1"/>
+          </p:cNvPicPr>
+          <p:nvPr/>
+        </p:nvPicPr>
+        <p:blipFill>
+          <a:blip r:embed="rId2"/>
+          <a:stretch>
+            <a:fillRect/>
+          </a:stretch>
+        </p:blipFill>
+        <p:spPr>
+          <a:xfrm>
+            <a:off x="640080" y="1828800"/>
+            <a:ext cx="7647093" cy="4389120"/>
+          </a:xfrm>
+          <a:prstGeom prst="rect">
+            <a:avLst/>
+          </a:prstGeom>
+        </p:spPr>
+      </p:pic>
+    </p:spTree>
+  </p:cSld>
+  <p:clrMapOvr>
+    <a:masterClrMapping/>
+  </p:clrMapOvr>
+</p:sld>
+</file>
+
+<file path=ppt/slides/slide24.xml><?xml version="1.0" encoding="utf-8"?>
+<p:sld xmlns:a="http://schemas.openxmlformats.org/drawingml/2006/main" xmlns:p="http://schemas.openxmlformats.org/presentationml/2006/main" xmlns:r="http://schemas.openxmlformats.org/officeDocument/2006/relationships">
+  <p:cSld>
+    <p:spTree>
+      <p:nvGrpSpPr>
+        <p:cNvPr id="1" name=""/>
+        <p:cNvGrpSpPr/>
+        <p:nvPr/>
+      </p:nvGrpSpPr>
+      <p:grpSpPr/>
+      <p:sp>
+        <p:nvSpPr>
+          <p:cNvPr id="2" name="TextBox 1"/>
+          <p:cNvSpPr txBox="1"/>
+          <p:nvPr/>
+        </p:nvSpPr>
+        <p:spPr>
+          <a:xfrm>
+            <a:off x="457200" y="274320"/>
+            <a:ext cx="8229600" cy="731520"/>
+          </a:xfrm>
+          <a:prstGeom prst="rect">
+            <a:avLst/>
+          </a:prstGeom>
+          <a:noFill/>
+        </p:spPr>
+        <p:txBody>
+          <a:bodyPr wrap="none">
+            <a:spAutoFit/>
+          </a:bodyPr>
+          <a:lstStyle/>
+          <a:p>
+            <a:pPr>
+              <a:defRPr sz="2800"/>
+            </a:pPr>
+            <a:r>
+              <a:t>페르소나별 카테고리 개수</a:t>
+            </a:r>
+          </a:p>
+        </p:txBody>
+      </p:sp>
+      <p:pic>
+        <p:nvPicPr>
+          <p:cNvPr id="3" name="Picture 2" descr="24_persona_category_grouped.png"/>
+          <p:cNvPicPr>
+            <a:picLocks noChangeAspect="1"/>
+          </p:cNvPicPr>
+          <p:nvPr/>
+        </p:nvPicPr>
+        <p:blipFill>
+          <a:blip r:embed="rId2"/>
+          <a:stretch>
+            <a:fillRect/>
+          </a:stretch>
+        </p:blipFill>
+        <p:spPr>
+          <a:xfrm>
+            <a:off x="640080" y="1828800"/>
+            <a:ext cx="7647093" cy="4389120"/>
+          </a:xfrm>
+          <a:prstGeom prst="rect">
+            <a:avLst/>
+          </a:prstGeom>
+        </p:spPr>
+      </p:pic>
+    </p:spTree>
+  </p:cSld>
+  <p:clrMapOvr>
+    <a:masterClrMapping/>
+  </p:clrMapOvr>
+</p:sld>
+</file>
+
+<file path=ppt/slides/slide25.xml><?xml version="1.0" encoding="utf-8"?>
+<p:sld xmlns:a="http://schemas.openxmlformats.org/drawingml/2006/main" xmlns:p="http://schemas.openxmlformats.org/presentationml/2006/main" xmlns:r="http://schemas.openxmlformats.org/officeDocument/2006/relationships">
+  <p:cSld>
+    <p:spTree>
+      <p:nvGrpSpPr>
+        <p:cNvPr id="1" name=""/>
+        <p:cNvGrpSpPr/>
+        <p:nvPr/>
+      </p:nvGrpSpPr>
+      <p:grpSpPr/>
+      <p:sp>
+        <p:nvSpPr>
+          <p:cNvPr id="2" name="TextBox 1"/>
+          <p:cNvSpPr txBox="1"/>
+          <p:nvPr/>
+        </p:nvSpPr>
+        <p:spPr>
+          <a:xfrm>
+            <a:off x="457200" y="274320"/>
+            <a:ext cx="8229600" cy="731520"/>
+          </a:xfrm>
+          <a:prstGeom prst="rect">
+            <a:avLst/>
+          </a:prstGeom>
+          <a:noFill/>
+        </p:spPr>
+        <p:txBody>
+          <a:bodyPr wrap="none">
+            <a:spAutoFit/>
+          </a:bodyPr>
+          <a:lstStyle/>
+          <a:p>
+            <a:pPr>
+              <a:defRPr sz="2800"/>
+            </a:pPr>
+            <a:r>
+              <a:t>페르소나별 카테고리 히트맵</a:t>
+            </a:r>
+          </a:p>
+        </p:txBody>
+      </p:sp>
+      <p:pic>
+        <p:nvPicPr>
+          <p:cNvPr id="3" name="Picture 2" descr="25_persona_category_heatmap.png"/>
+          <p:cNvPicPr>
+            <a:picLocks noChangeAspect="1"/>
+          </p:cNvPicPr>
+          <p:nvPr/>
+        </p:nvPicPr>
+        <p:blipFill>
+          <a:blip r:embed="rId2"/>
+          <a:stretch>
+            <a:fillRect/>
+          </a:stretch>
+        </p:blipFill>
+        <p:spPr>
+          <a:xfrm>
+            <a:off x="640080" y="1828800"/>
+            <a:ext cx="6172517" cy="4389120"/>
+          </a:xfrm>
+          <a:prstGeom prst="rect">
+            <a:avLst/>
+          </a:prstGeom>
+        </p:spPr>
+      </p:pic>
+    </p:spTree>
+  </p:cSld>
+  <p:clrMapOvr>
+    <a:masterClrMapping/>
+  </p:clrMapOvr>
+</p:sld>
+</file>
+
+<file path=ppt/slides/slide26.xml><?xml version="1.0" encoding="utf-8"?>
 <p:sld xmlns:a="http://schemas.openxmlformats.org/drawingml/2006/main" xmlns:p="http://schemas.openxmlformats.org/presentationml/2006/main" xmlns:r="http://schemas.openxmlformats.org/officeDocument/2006/relationships">
   <p:cSld>
     <p:spTree>
